--- a/Chapter IV/Chapter IV Uncertain Knowledge and Reasoning.pptx
+++ b/Chapter IV/Chapter IV Uncertain Knowledge and Reasoning.pptx
@@ -4,6 +4,9 @@
   <p:sldMasterIdLst>
     <p:sldMasterId id="2147483648" r:id="rId1"/>
   </p:sldMasterIdLst>
+  <p:notesMasterIdLst>
+    <p:notesMasterId r:id="rId24"/>
+  </p:notesMasterIdLst>
   <p:sldIdLst>
     <p:sldId id="256" r:id="rId2"/>
     <p:sldId id="257" r:id="rId3"/>
@@ -133,6 +136,355 @@
 </p:presentation>
 </file>
 
+<file path=ppt/notesMasters/notesMaster1.xml><?xml version="1.0" encoding="utf-8"?>
+<p:notesMaster xmlns:a="http://schemas.openxmlformats.org/drawingml/2006/main" xmlns:r="http://schemas.openxmlformats.org/officeDocument/2006/relationships" xmlns:p="http://schemas.openxmlformats.org/presentationml/2006/main">
+  <p:cSld>
+    <p:bg>
+      <p:bgRef idx="1001">
+        <a:schemeClr val="bg1"/>
+      </p:bgRef>
+    </p:bg>
+    <p:spTree>
+      <p:nvGrpSpPr>
+        <p:cNvPr id="1" name=""/>
+        <p:cNvGrpSpPr/>
+        <p:nvPr/>
+      </p:nvGrpSpPr>
+      <p:grpSpPr>
+        <a:xfrm>
+          <a:off x="0" y="0"/>
+          <a:ext cx="0" cy="0"/>
+          <a:chOff x="0" y="0"/>
+          <a:chExt cx="0" cy="0"/>
+        </a:xfrm>
+      </p:grpSpPr>
+      <p:sp>
+        <p:nvSpPr>
+          <p:cNvPr id="2" name="Header Placeholder 1"/>
+          <p:cNvSpPr>
+            <a:spLocks noGrp="1"/>
+          </p:cNvSpPr>
+          <p:nvPr>
+            <p:ph type="hdr" sz="quarter"/>
+          </p:nvPr>
+        </p:nvSpPr>
+        <p:spPr>
+          <a:xfrm>
+            <a:off x="0" y="0"/>
+            <a:ext cx="2971800" cy="458788"/>
+          </a:xfrm>
+          <a:prstGeom prst="rect">
+            <a:avLst/>
+          </a:prstGeom>
+        </p:spPr>
+        <p:txBody>
+          <a:bodyPr vert="horz" lIns="91440" tIns="45720" rIns="91440" bIns="45720" rtlCol="0"/>
+          <a:lstStyle>
+            <a:lvl1pPr algn="l">
+              <a:defRPr sz="1200"/>
+            </a:lvl1pPr>
+          </a:lstStyle>
+          <a:p>
+            <a:endParaRPr lang="en-US"/>
+          </a:p>
+        </p:txBody>
+      </p:sp>
+      <p:sp>
+        <p:nvSpPr>
+          <p:cNvPr id="3" name="Date Placeholder 2"/>
+          <p:cNvSpPr>
+            <a:spLocks noGrp="1"/>
+          </p:cNvSpPr>
+          <p:nvPr>
+            <p:ph type="dt" idx="1"/>
+          </p:nvPr>
+        </p:nvSpPr>
+        <p:spPr>
+          <a:xfrm>
+            <a:off x="3884613" y="0"/>
+            <a:ext cx="2971800" cy="458788"/>
+          </a:xfrm>
+          <a:prstGeom prst="rect">
+            <a:avLst/>
+          </a:prstGeom>
+        </p:spPr>
+        <p:txBody>
+          <a:bodyPr vert="horz" lIns="91440" tIns="45720" rIns="91440" bIns="45720" rtlCol="0"/>
+          <a:lstStyle>
+            <a:lvl1pPr algn="r">
+              <a:defRPr sz="1200"/>
+            </a:lvl1pPr>
+          </a:lstStyle>
+          <a:p>
+            <a:fld id="{35E946A7-51CA-4385-94C7-0779D8C42232}" type="datetimeFigureOut">
+              <a:rPr lang="en-US" smtClean="0"/>
+              <a:t>4/28/2024</a:t>
+            </a:fld>
+            <a:endParaRPr lang="en-US"/>
+          </a:p>
+        </p:txBody>
+      </p:sp>
+      <p:sp>
+        <p:nvSpPr>
+          <p:cNvPr id="4" name="Slide Image Placeholder 3"/>
+          <p:cNvSpPr>
+            <a:spLocks noGrp="1" noRot="1" noChangeAspect="1"/>
+          </p:cNvSpPr>
+          <p:nvPr>
+            <p:ph type="sldImg" idx="2"/>
+          </p:nvPr>
+        </p:nvSpPr>
+        <p:spPr>
+          <a:xfrm>
+            <a:off x="685800" y="1143000"/>
+            <a:ext cx="5486400" cy="3086100"/>
+          </a:xfrm>
+          <a:prstGeom prst="rect">
+            <a:avLst/>
+          </a:prstGeom>
+          <a:noFill/>
+          <a:ln w="12700">
+            <a:solidFill>
+              <a:prstClr val="black"/>
+            </a:solidFill>
+          </a:ln>
+        </p:spPr>
+        <p:txBody>
+          <a:bodyPr vert="horz" lIns="91440" tIns="45720" rIns="91440" bIns="45720" rtlCol="0" anchor="ctr"/>
+          <a:lstStyle/>
+          <a:p>
+            <a:endParaRPr lang="en-US"/>
+          </a:p>
+        </p:txBody>
+      </p:sp>
+      <p:sp>
+        <p:nvSpPr>
+          <p:cNvPr id="5" name="Notes Placeholder 4"/>
+          <p:cNvSpPr>
+            <a:spLocks noGrp="1"/>
+          </p:cNvSpPr>
+          <p:nvPr>
+            <p:ph type="body" sz="quarter" idx="3"/>
+          </p:nvPr>
+        </p:nvSpPr>
+        <p:spPr>
+          <a:xfrm>
+            <a:off x="685800" y="4400550"/>
+            <a:ext cx="5486400" cy="3600450"/>
+          </a:xfrm>
+          <a:prstGeom prst="rect">
+            <a:avLst/>
+          </a:prstGeom>
+        </p:spPr>
+        <p:txBody>
+          <a:bodyPr vert="horz" lIns="91440" tIns="45720" rIns="91440" bIns="45720" rtlCol="0"/>
+          <a:lstStyle/>
+          <a:p>
+            <a:pPr lvl="0"/>
+            <a:r>
+              <a:rPr lang="en-US"/>
+              <a:t>Click to edit Master text styles</a:t>
+            </a:r>
+          </a:p>
+          <a:p>
+            <a:pPr lvl="1"/>
+            <a:r>
+              <a:rPr lang="en-US"/>
+              <a:t>Second level</a:t>
+            </a:r>
+          </a:p>
+          <a:p>
+            <a:pPr lvl="2"/>
+            <a:r>
+              <a:rPr lang="en-US"/>
+              <a:t>Third level</a:t>
+            </a:r>
+          </a:p>
+          <a:p>
+            <a:pPr lvl="3"/>
+            <a:r>
+              <a:rPr lang="en-US"/>
+              <a:t>Fourth level</a:t>
+            </a:r>
+          </a:p>
+          <a:p>
+            <a:pPr lvl="4"/>
+            <a:r>
+              <a:rPr lang="en-US"/>
+              <a:t>Fifth level</a:t>
+            </a:r>
+          </a:p>
+        </p:txBody>
+      </p:sp>
+      <p:sp>
+        <p:nvSpPr>
+          <p:cNvPr id="6" name="Footer Placeholder 5"/>
+          <p:cNvSpPr>
+            <a:spLocks noGrp="1"/>
+          </p:cNvSpPr>
+          <p:nvPr>
+            <p:ph type="ftr" sz="quarter" idx="4"/>
+          </p:nvPr>
+        </p:nvSpPr>
+        <p:spPr>
+          <a:xfrm>
+            <a:off x="0" y="8685213"/>
+            <a:ext cx="2971800" cy="458787"/>
+          </a:xfrm>
+          <a:prstGeom prst="rect">
+            <a:avLst/>
+          </a:prstGeom>
+        </p:spPr>
+        <p:txBody>
+          <a:bodyPr vert="horz" lIns="91440" tIns="45720" rIns="91440" bIns="45720" rtlCol="0" anchor="b"/>
+          <a:lstStyle>
+            <a:lvl1pPr algn="l">
+              <a:defRPr sz="1200"/>
+            </a:lvl1pPr>
+          </a:lstStyle>
+          <a:p>
+            <a:endParaRPr lang="en-US"/>
+          </a:p>
+        </p:txBody>
+      </p:sp>
+      <p:sp>
+        <p:nvSpPr>
+          <p:cNvPr id="7" name="Slide Number Placeholder 6"/>
+          <p:cNvSpPr>
+            <a:spLocks noGrp="1"/>
+          </p:cNvSpPr>
+          <p:nvPr>
+            <p:ph type="sldNum" sz="quarter" idx="5"/>
+          </p:nvPr>
+        </p:nvSpPr>
+        <p:spPr>
+          <a:xfrm>
+            <a:off x="3884613" y="8685213"/>
+            <a:ext cx="2971800" cy="458787"/>
+          </a:xfrm>
+          <a:prstGeom prst="rect">
+            <a:avLst/>
+          </a:prstGeom>
+        </p:spPr>
+        <p:txBody>
+          <a:bodyPr vert="horz" lIns="91440" tIns="45720" rIns="91440" bIns="45720" rtlCol="0" anchor="b"/>
+          <a:lstStyle>
+            <a:lvl1pPr algn="r">
+              <a:defRPr sz="1200"/>
+            </a:lvl1pPr>
+          </a:lstStyle>
+          <a:p>
+            <a:fld id="{27F749D9-B9DF-4D67-96A7-2C5B0F6B9B60}" type="slidenum">
+              <a:rPr lang="en-US" smtClean="0"/>
+              <a:t>‹#›</a:t>
+            </a:fld>
+            <a:endParaRPr lang="en-US"/>
+          </a:p>
+        </p:txBody>
+      </p:sp>
+    </p:spTree>
+    <p:extLst>
+      <p:ext uri="{BB962C8B-B14F-4D97-AF65-F5344CB8AC3E}">
+        <p14:creationId xmlns:p14="http://schemas.microsoft.com/office/powerpoint/2010/main" val="1057187318"/>
+      </p:ext>
+    </p:extLst>
+  </p:cSld>
+  <p:clrMap bg1="lt1" tx1="dk1" bg2="lt2" tx2="dk2" accent1="accent1" accent2="accent2" accent3="accent3" accent4="accent4" accent5="accent5" accent6="accent6" hlink="hlink" folHlink="folHlink"/>
+  <p:notesStyle>
+    <a:lvl1pPr marL="0" algn="l" defTabSz="914400" rtl="0" eaLnBrk="1" latinLnBrk="0" hangingPunct="1">
+      <a:defRPr sz="1200" kern="1200">
+        <a:solidFill>
+          <a:schemeClr val="tx1"/>
+        </a:solidFill>
+        <a:latin typeface="+mn-lt"/>
+        <a:ea typeface="+mn-ea"/>
+        <a:cs typeface="+mn-cs"/>
+      </a:defRPr>
+    </a:lvl1pPr>
+    <a:lvl2pPr marL="457200" algn="l" defTabSz="914400" rtl="0" eaLnBrk="1" latinLnBrk="0" hangingPunct="1">
+      <a:defRPr sz="1200" kern="1200">
+        <a:solidFill>
+          <a:schemeClr val="tx1"/>
+        </a:solidFill>
+        <a:latin typeface="+mn-lt"/>
+        <a:ea typeface="+mn-ea"/>
+        <a:cs typeface="+mn-cs"/>
+      </a:defRPr>
+    </a:lvl2pPr>
+    <a:lvl3pPr marL="914400" algn="l" defTabSz="914400" rtl="0" eaLnBrk="1" latinLnBrk="0" hangingPunct="1">
+      <a:defRPr sz="1200" kern="1200">
+        <a:solidFill>
+          <a:schemeClr val="tx1"/>
+        </a:solidFill>
+        <a:latin typeface="+mn-lt"/>
+        <a:ea typeface="+mn-ea"/>
+        <a:cs typeface="+mn-cs"/>
+      </a:defRPr>
+    </a:lvl3pPr>
+    <a:lvl4pPr marL="1371600" algn="l" defTabSz="914400" rtl="0" eaLnBrk="1" latinLnBrk="0" hangingPunct="1">
+      <a:defRPr sz="1200" kern="1200">
+        <a:solidFill>
+          <a:schemeClr val="tx1"/>
+        </a:solidFill>
+        <a:latin typeface="+mn-lt"/>
+        <a:ea typeface="+mn-ea"/>
+        <a:cs typeface="+mn-cs"/>
+      </a:defRPr>
+    </a:lvl4pPr>
+    <a:lvl5pPr marL="1828800" algn="l" defTabSz="914400" rtl="0" eaLnBrk="1" latinLnBrk="0" hangingPunct="1">
+      <a:defRPr sz="1200" kern="1200">
+        <a:solidFill>
+          <a:schemeClr val="tx1"/>
+        </a:solidFill>
+        <a:latin typeface="+mn-lt"/>
+        <a:ea typeface="+mn-ea"/>
+        <a:cs typeface="+mn-cs"/>
+      </a:defRPr>
+    </a:lvl5pPr>
+    <a:lvl6pPr marL="2286000" algn="l" defTabSz="914400" rtl="0" eaLnBrk="1" latinLnBrk="0" hangingPunct="1">
+      <a:defRPr sz="1200" kern="1200">
+        <a:solidFill>
+          <a:schemeClr val="tx1"/>
+        </a:solidFill>
+        <a:latin typeface="+mn-lt"/>
+        <a:ea typeface="+mn-ea"/>
+        <a:cs typeface="+mn-cs"/>
+      </a:defRPr>
+    </a:lvl6pPr>
+    <a:lvl7pPr marL="2743200" algn="l" defTabSz="914400" rtl="0" eaLnBrk="1" latinLnBrk="0" hangingPunct="1">
+      <a:defRPr sz="1200" kern="1200">
+        <a:solidFill>
+          <a:schemeClr val="tx1"/>
+        </a:solidFill>
+        <a:latin typeface="+mn-lt"/>
+        <a:ea typeface="+mn-ea"/>
+        <a:cs typeface="+mn-cs"/>
+      </a:defRPr>
+    </a:lvl7pPr>
+    <a:lvl8pPr marL="3200400" algn="l" defTabSz="914400" rtl="0" eaLnBrk="1" latinLnBrk="0" hangingPunct="1">
+      <a:defRPr sz="1200" kern="1200">
+        <a:solidFill>
+          <a:schemeClr val="tx1"/>
+        </a:solidFill>
+        <a:latin typeface="+mn-lt"/>
+        <a:ea typeface="+mn-ea"/>
+        <a:cs typeface="+mn-cs"/>
+      </a:defRPr>
+    </a:lvl8pPr>
+    <a:lvl9pPr marL="3657600" algn="l" defTabSz="914400" rtl="0" eaLnBrk="1" latinLnBrk="0" hangingPunct="1">
+      <a:defRPr sz="1200" kern="1200">
+        <a:solidFill>
+          <a:schemeClr val="tx1"/>
+        </a:solidFill>
+        <a:latin typeface="+mn-lt"/>
+        <a:ea typeface="+mn-ea"/>
+        <a:cs typeface="+mn-cs"/>
+      </a:defRPr>
+    </a:lvl9pPr>
+  </p:notesStyle>
+</p:notesMaster>
+</file>
+
 <file path=ppt/slideLayouts/slideLayout1.xml><?xml version="1.0" encoding="utf-8"?>
 <p:sldLayout xmlns:a="http://schemas.openxmlformats.org/drawingml/2006/main" xmlns:r="http://schemas.openxmlformats.org/officeDocument/2006/relationships" xmlns:p="http://schemas.openxmlformats.org/presentationml/2006/main" type="title" preserve="1">
   <p:cSld name="Title Slide">
@@ -278,9 +630,9 @@
           <a:bodyPr/>
           <a:lstStyle/>
           <a:p>
-            <a:fld id="{C0A5164D-1C6A-4129-8A78-FD203720A81A}" type="datetimeFigureOut">
+            <a:fld id="{FCD49D82-E2C7-4651-9E68-3F5EAB2BE8B0}" type="datetime1">
               <a:rPr lang="en-US" smtClean="0"/>
-              <a:t>4/21/2024</a:t>
+              <a:t>4/28/2024</a:t>
             </a:fld>
             <a:endParaRPr lang="en-US"/>
           </a:p>
@@ -307,7 +659,10 @@
           <a:bodyPr/>
           <a:lstStyle/>
           <a:p>
-            <a:endParaRPr lang="en-US"/>
+            <a:r>
+              <a:rPr lang="en-US"/>
+              <a:t>GitHub repository: https://github.com/Nguh-Prince/Intro-to-AI</a:t>
+            </a:r>
           </a:p>
         </p:txBody>
       </p:sp>
@@ -476,9 +831,9 @@
           <a:bodyPr/>
           <a:lstStyle/>
           <a:p>
-            <a:fld id="{C0A5164D-1C6A-4129-8A78-FD203720A81A}" type="datetimeFigureOut">
+            <a:fld id="{FFF743CF-3FF9-4B96-8CDE-68E768930E75}" type="datetime1">
               <a:rPr lang="en-US" smtClean="0"/>
-              <a:t>4/21/2024</a:t>
+              <a:t>4/28/2024</a:t>
             </a:fld>
             <a:endParaRPr lang="en-US"/>
           </a:p>
@@ -505,7 +860,10 @@
           <a:bodyPr/>
           <a:lstStyle/>
           <a:p>
-            <a:endParaRPr lang="en-US"/>
+            <a:r>
+              <a:rPr lang="en-US"/>
+              <a:t>GitHub repository: https://github.com/Nguh-Prince/Intro-to-AI</a:t>
+            </a:r>
           </a:p>
         </p:txBody>
       </p:sp>
@@ -684,9 +1042,9 @@
           <a:bodyPr/>
           <a:lstStyle/>
           <a:p>
-            <a:fld id="{C0A5164D-1C6A-4129-8A78-FD203720A81A}" type="datetimeFigureOut">
+            <a:fld id="{2FBA8CE3-3C7F-45D8-A5CF-985EFBF73C46}" type="datetime1">
               <a:rPr lang="en-US" smtClean="0"/>
-              <a:t>4/21/2024</a:t>
+              <a:t>4/28/2024</a:t>
             </a:fld>
             <a:endParaRPr lang="en-US"/>
           </a:p>
@@ -713,7 +1071,10 @@
           <a:bodyPr/>
           <a:lstStyle/>
           <a:p>
-            <a:endParaRPr lang="en-US"/>
+            <a:r>
+              <a:rPr lang="en-US"/>
+              <a:t>GitHub repository: https://github.com/Nguh-Prince/Intro-to-AI</a:t>
+            </a:r>
           </a:p>
         </p:txBody>
       </p:sp>
@@ -882,9 +1243,9 @@
           <a:bodyPr/>
           <a:lstStyle/>
           <a:p>
-            <a:fld id="{C0A5164D-1C6A-4129-8A78-FD203720A81A}" type="datetimeFigureOut">
+            <a:fld id="{A4C83585-C733-4000-A78B-353E6E11C4E8}" type="datetime1">
               <a:rPr lang="en-US" smtClean="0"/>
-              <a:t>4/21/2024</a:t>
+              <a:t>4/28/2024</a:t>
             </a:fld>
             <a:endParaRPr lang="en-US"/>
           </a:p>
@@ -911,7 +1272,10 @@
           <a:bodyPr/>
           <a:lstStyle/>
           <a:p>
-            <a:endParaRPr lang="en-US"/>
+            <a:r>
+              <a:rPr lang="en-US"/>
+              <a:t>GitHub repository: https://github.com/Nguh-Prince/Intro-to-AI</a:t>
+            </a:r>
           </a:p>
         </p:txBody>
       </p:sp>
@@ -1157,9 +1521,9 @@
           <a:bodyPr/>
           <a:lstStyle/>
           <a:p>
-            <a:fld id="{C0A5164D-1C6A-4129-8A78-FD203720A81A}" type="datetimeFigureOut">
+            <a:fld id="{57EB8A18-3CC8-450A-9CA2-2389FB222E6B}" type="datetime1">
               <a:rPr lang="en-US" smtClean="0"/>
-              <a:t>4/21/2024</a:t>
+              <a:t>4/28/2024</a:t>
             </a:fld>
             <a:endParaRPr lang="en-US"/>
           </a:p>
@@ -1186,7 +1550,10 @@
           <a:bodyPr/>
           <a:lstStyle/>
           <a:p>
-            <a:endParaRPr lang="en-US"/>
+            <a:r>
+              <a:rPr lang="en-US"/>
+              <a:t>GitHub repository: https://github.com/Nguh-Prince/Intro-to-AI</a:t>
+            </a:r>
           </a:p>
         </p:txBody>
       </p:sp>
@@ -1422,9 +1789,9 @@
           <a:bodyPr/>
           <a:lstStyle/>
           <a:p>
-            <a:fld id="{C0A5164D-1C6A-4129-8A78-FD203720A81A}" type="datetimeFigureOut">
+            <a:fld id="{30010324-5DAE-46DB-8BDD-56FCA138E934}" type="datetime1">
               <a:rPr lang="en-US" smtClean="0"/>
-              <a:t>4/21/2024</a:t>
+              <a:t>4/28/2024</a:t>
             </a:fld>
             <a:endParaRPr lang="en-US"/>
           </a:p>
@@ -1451,7 +1818,10 @@
           <a:bodyPr/>
           <a:lstStyle/>
           <a:p>
-            <a:endParaRPr lang="en-US"/>
+            <a:r>
+              <a:rPr lang="en-US"/>
+              <a:t>GitHub repository: https://github.com/Nguh-Prince/Intro-to-AI</a:t>
+            </a:r>
           </a:p>
         </p:txBody>
       </p:sp>
@@ -1834,9 +2204,9 @@
           <a:bodyPr/>
           <a:lstStyle/>
           <a:p>
-            <a:fld id="{C0A5164D-1C6A-4129-8A78-FD203720A81A}" type="datetimeFigureOut">
+            <a:fld id="{1953AD02-449E-4484-8B2B-BDBB3494399B}" type="datetime1">
               <a:rPr lang="en-US" smtClean="0"/>
-              <a:t>4/21/2024</a:t>
+              <a:t>4/28/2024</a:t>
             </a:fld>
             <a:endParaRPr lang="en-US"/>
           </a:p>
@@ -1863,7 +2233,10 @@
           <a:bodyPr/>
           <a:lstStyle/>
           <a:p>
-            <a:endParaRPr lang="en-US"/>
+            <a:r>
+              <a:rPr lang="en-US"/>
+              <a:t>GitHub repository: https://github.com/Nguh-Prince/Intro-to-AI</a:t>
+            </a:r>
           </a:p>
         </p:txBody>
       </p:sp>
@@ -1975,9 +2348,9 @@
           <a:bodyPr/>
           <a:lstStyle/>
           <a:p>
-            <a:fld id="{C0A5164D-1C6A-4129-8A78-FD203720A81A}" type="datetimeFigureOut">
+            <a:fld id="{981C9824-CF49-427C-8ABF-B0558555C9FA}" type="datetime1">
               <a:rPr lang="en-US" smtClean="0"/>
-              <a:t>4/21/2024</a:t>
+              <a:t>4/28/2024</a:t>
             </a:fld>
             <a:endParaRPr lang="en-US"/>
           </a:p>
@@ -2004,7 +2377,10 @@
           <a:bodyPr/>
           <a:lstStyle/>
           <a:p>
-            <a:endParaRPr lang="en-US"/>
+            <a:r>
+              <a:rPr lang="en-US"/>
+              <a:t>GitHub repository: https://github.com/Nguh-Prince/Intro-to-AI</a:t>
+            </a:r>
           </a:p>
         </p:txBody>
       </p:sp>
@@ -2088,9 +2464,9 @@
           <a:bodyPr/>
           <a:lstStyle/>
           <a:p>
-            <a:fld id="{C0A5164D-1C6A-4129-8A78-FD203720A81A}" type="datetimeFigureOut">
+            <a:fld id="{794F5DF5-5A09-461C-8730-9F7618C3F0F6}" type="datetime1">
               <a:rPr lang="en-US" smtClean="0"/>
-              <a:t>4/21/2024</a:t>
+              <a:t>4/28/2024</a:t>
             </a:fld>
             <a:endParaRPr lang="en-US"/>
           </a:p>
@@ -2117,7 +2493,10 @@
           <a:bodyPr/>
           <a:lstStyle/>
           <a:p>
-            <a:endParaRPr lang="en-US"/>
+            <a:r>
+              <a:rPr lang="en-US"/>
+              <a:t>GitHub repository: https://github.com/Nguh-Prince/Intro-to-AI</a:t>
+            </a:r>
           </a:p>
         </p:txBody>
       </p:sp>
@@ -2399,9 +2778,9 @@
           <a:bodyPr/>
           <a:lstStyle/>
           <a:p>
-            <a:fld id="{C0A5164D-1C6A-4129-8A78-FD203720A81A}" type="datetimeFigureOut">
+            <a:fld id="{7340C13F-C51B-4FAF-99F4-3903CA0D240A}" type="datetime1">
               <a:rPr lang="en-US" smtClean="0"/>
-              <a:t>4/21/2024</a:t>
+              <a:t>4/28/2024</a:t>
             </a:fld>
             <a:endParaRPr lang="en-US"/>
           </a:p>
@@ -2428,7 +2807,10 @@
           <a:bodyPr/>
           <a:lstStyle/>
           <a:p>
-            <a:endParaRPr lang="en-US"/>
+            <a:r>
+              <a:rPr lang="en-US"/>
+              <a:t>GitHub repository: https://github.com/Nguh-Prince/Intro-to-AI</a:t>
+            </a:r>
           </a:p>
         </p:txBody>
       </p:sp>
@@ -2687,9 +3069,9 @@
           <a:bodyPr/>
           <a:lstStyle/>
           <a:p>
-            <a:fld id="{C0A5164D-1C6A-4129-8A78-FD203720A81A}" type="datetimeFigureOut">
+            <a:fld id="{B0FDDEAE-F849-4F62-B742-CCE91ADD4A1A}" type="datetime1">
               <a:rPr lang="en-US" smtClean="0"/>
-              <a:t>4/21/2024</a:t>
+              <a:t>4/28/2024</a:t>
             </a:fld>
             <a:endParaRPr lang="en-US"/>
           </a:p>
@@ -2716,7 +3098,10 @@
           <a:bodyPr/>
           <a:lstStyle/>
           <a:p>
-            <a:endParaRPr lang="en-US"/>
+            <a:r>
+              <a:rPr lang="en-US"/>
+              <a:t>GitHub repository: https://github.com/Nguh-Prince/Intro-to-AI</a:t>
+            </a:r>
           </a:p>
         </p:txBody>
       </p:sp>
@@ -2928,9 +3313,9 @@
             </a:lvl1pPr>
           </a:lstStyle>
           <a:p>
-            <a:fld id="{C0A5164D-1C6A-4129-8A78-FD203720A81A}" type="datetimeFigureOut">
+            <a:fld id="{00DB06B8-6AEF-4F6B-B928-D6B8AF0D1552}" type="datetime1">
               <a:rPr lang="en-US" smtClean="0"/>
-              <a:t>4/21/2024</a:t>
+              <a:t>4/28/2024</a:t>
             </a:fld>
             <a:endParaRPr lang="en-US"/>
           </a:p>
@@ -2975,7 +3360,10 @@
             </a:lvl1pPr>
           </a:lstStyle>
           <a:p>
-            <a:endParaRPr lang="en-US"/>
+            <a:r>
+              <a:rPr lang="en-US"/>
+              <a:t>GitHub repository: https://github.com/Nguh-Prince/Intro-to-AI</a:t>
+            </a:r>
           </a:p>
         </p:txBody>
       </p:sp>
@@ -3047,6 +3435,7 @@
     <p:sldLayoutId id="2147483658" r:id="rId10"/>
     <p:sldLayoutId id="2147483659" r:id="rId11"/>
   </p:sldLayoutIdLst>
+  <p:hf hdr="0" dt="0"/>
   <p:txStyles>
     <p:titleStyle>
       <a:lvl1pPr algn="l" defTabSz="914400" rtl="0" eaLnBrk="1" latinLnBrk="0" hangingPunct="1">
@@ -3435,6 +3824,34 @@
           </a:p>
         </p:txBody>
       </p:sp>
+      <p:sp>
+        <p:nvSpPr>
+          <p:cNvPr id="4" name="Footer Placeholder 3">
+            <a:extLst>
+              <a:ext uri="{FF2B5EF4-FFF2-40B4-BE49-F238E27FC236}">
+                <a16:creationId xmlns:a16="http://schemas.microsoft.com/office/drawing/2014/main" id="{EDC5BC15-7DF1-4D7C-D4B2-6AACE1F2E2AA}"/>
+              </a:ext>
+            </a:extLst>
+          </p:cNvPr>
+          <p:cNvSpPr>
+            <a:spLocks noGrp="1"/>
+          </p:cNvSpPr>
+          <p:nvPr>
+            <p:ph type="ftr" sz="quarter" idx="11"/>
+          </p:nvPr>
+        </p:nvSpPr>
+        <p:spPr/>
+        <p:txBody>
+          <a:bodyPr/>
+          <a:lstStyle/>
+          <a:p>
+            <a:r>
+              <a:rPr lang="en-US"/>
+              <a:t>GitHub repository: https://github.com/Nguh-Prince/Intro-to-AI</a:t>
+            </a:r>
+          </a:p>
+        </p:txBody>
+      </p:sp>
     </p:spTree>
     <p:extLst>
       <p:ext uri="{BB962C8B-B14F-4D97-AF65-F5344CB8AC3E}">
@@ -3542,6 +3959,63 @@
           </a:p>
         </p:txBody>
       </p:sp>
+      <p:sp>
+        <p:nvSpPr>
+          <p:cNvPr id="4" name="Footer Placeholder 3">
+            <a:extLst>
+              <a:ext uri="{FF2B5EF4-FFF2-40B4-BE49-F238E27FC236}">
+                <a16:creationId xmlns:a16="http://schemas.microsoft.com/office/drawing/2014/main" id="{C6E0EA31-F1B3-255B-C5D5-E2878DE8F325}"/>
+              </a:ext>
+            </a:extLst>
+          </p:cNvPr>
+          <p:cNvSpPr>
+            <a:spLocks noGrp="1"/>
+          </p:cNvSpPr>
+          <p:nvPr>
+            <p:ph type="ftr" sz="quarter" idx="11"/>
+          </p:nvPr>
+        </p:nvSpPr>
+        <p:spPr/>
+        <p:txBody>
+          <a:bodyPr/>
+          <a:lstStyle/>
+          <a:p>
+            <a:r>
+              <a:rPr lang="en-US"/>
+              <a:t>GitHub repository: https://github.com/Nguh-Prince/Intro-to-AI</a:t>
+            </a:r>
+          </a:p>
+        </p:txBody>
+      </p:sp>
+      <p:sp>
+        <p:nvSpPr>
+          <p:cNvPr id="5" name="Slide Number Placeholder 4">
+            <a:extLst>
+              <a:ext uri="{FF2B5EF4-FFF2-40B4-BE49-F238E27FC236}">
+                <a16:creationId xmlns:a16="http://schemas.microsoft.com/office/drawing/2014/main" id="{C31CF122-3112-6A6F-765A-7D57AB2BD1C3}"/>
+              </a:ext>
+            </a:extLst>
+          </p:cNvPr>
+          <p:cNvSpPr>
+            <a:spLocks noGrp="1"/>
+          </p:cNvSpPr>
+          <p:nvPr>
+            <p:ph type="sldNum" sz="quarter" idx="12"/>
+          </p:nvPr>
+        </p:nvSpPr>
+        <p:spPr/>
+        <p:txBody>
+          <a:bodyPr/>
+          <a:lstStyle/>
+          <a:p>
+            <a:fld id="{44DF53B6-6D75-4385-AF24-F800A42C751D}" type="slidenum">
+              <a:rPr lang="en-US" smtClean="0"/>
+              <a:t>10</a:t>
+            </a:fld>
+            <a:endParaRPr lang="en-US"/>
+          </a:p>
+        </p:txBody>
+      </p:sp>
     </p:spTree>
     <p:extLst>
       <p:ext uri="{BB962C8B-B14F-4D97-AF65-F5344CB8AC3E}">
@@ -3646,6 +4120,63 @@
           </a:p>
         </p:txBody>
       </p:sp>
+      <p:sp>
+        <p:nvSpPr>
+          <p:cNvPr id="4" name="Footer Placeholder 3">
+            <a:extLst>
+              <a:ext uri="{FF2B5EF4-FFF2-40B4-BE49-F238E27FC236}">
+                <a16:creationId xmlns:a16="http://schemas.microsoft.com/office/drawing/2014/main" id="{74B513AE-885F-5712-5F20-4ECD580ECE80}"/>
+              </a:ext>
+            </a:extLst>
+          </p:cNvPr>
+          <p:cNvSpPr>
+            <a:spLocks noGrp="1"/>
+          </p:cNvSpPr>
+          <p:nvPr>
+            <p:ph type="ftr" sz="quarter" idx="11"/>
+          </p:nvPr>
+        </p:nvSpPr>
+        <p:spPr/>
+        <p:txBody>
+          <a:bodyPr/>
+          <a:lstStyle/>
+          <a:p>
+            <a:r>
+              <a:rPr lang="en-US"/>
+              <a:t>GitHub repository: https://github.com/Nguh-Prince/Intro-to-AI</a:t>
+            </a:r>
+          </a:p>
+        </p:txBody>
+      </p:sp>
+      <p:sp>
+        <p:nvSpPr>
+          <p:cNvPr id="5" name="Slide Number Placeholder 4">
+            <a:extLst>
+              <a:ext uri="{FF2B5EF4-FFF2-40B4-BE49-F238E27FC236}">
+                <a16:creationId xmlns:a16="http://schemas.microsoft.com/office/drawing/2014/main" id="{DA1171B1-3BCA-2E58-4C88-07C0721BE026}"/>
+              </a:ext>
+            </a:extLst>
+          </p:cNvPr>
+          <p:cNvSpPr>
+            <a:spLocks noGrp="1"/>
+          </p:cNvSpPr>
+          <p:nvPr>
+            <p:ph type="sldNum" sz="quarter" idx="12"/>
+          </p:nvPr>
+        </p:nvSpPr>
+        <p:spPr/>
+        <p:txBody>
+          <a:bodyPr/>
+          <a:lstStyle/>
+          <a:p>
+            <a:fld id="{44DF53B6-6D75-4385-AF24-F800A42C751D}" type="slidenum">
+              <a:rPr lang="en-US" smtClean="0"/>
+              <a:t>11</a:t>
+            </a:fld>
+            <a:endParaRPr lang="en-US"/>
+          </a:p>
+        </p:txBody>
+      </p:sp>
     </p:spTree>
     <p:extLst>
       <p:ext uri="{BB962C8B-B14F-4D97-AF65-F5344CB8AC3E}">
@@ -3741,6 +4272,63 @@
           </a:p>
         </p:txBody>
       </p:sp>
+      <p:sp>
+        <p:nvSpPr>
+          <p:cNvPr id="4" name="Footer Placeholder 3">
+            <a:extLst>
+              <a:ext uri="{FF2B5EF4-FFF2-40B4-BE49-F238E27FC236}">
+                <a16:creationId xmlns:a16="http://schemas.microsoft.com/office/drawing/2014/main" id="{E5D1CE24-AD6F-BB85-B81F-26FF9B3BF775}"/>
+              </a:ext>
+            </a:extLst>
+          </p:cNvPr>
+          <p:cNvSpPr>
+            <a:spLocks noGrp="1"/>
+          </p:cNvSpPr>
+          <p:nvPr>
+            <p:ph type="ftr" sz="quarter" idx="11"/>
+          </p:nvPr>
+        </p:nvSpPr>
+        <p:spPr/>
+        <p:txBody>
+          <a:bodyPr/>
+          <a:lstStyle/>
+          <a:p>
+            <a:r>
+              <a:rPr lang="en-US"/>
+              <a:t>GitHub repository: https://github.com/Nguh-Prince/Intro-to-AI</a:t>
+            </a:r>
+          </a:p>
+        </p:txBody>
+      </p:sp>
+      <p:sp>
+        <p:nvSpPr>
+          <p:cNvPr id="5" name="Slide Number Placeholder 4">
+            <a:extLst>
+              <a:ext uri="{FF2B5EF4-FFF2-40B4-BE49-F238E27FC236}">
+                <a16:creationId xmlns:a16="http://schemas.microsoft.com/office/drawing/2014/main" id="{C0861F05-FA0A-CBF8-E2B4-DB33EFCAB57E}"/>
+              </a:ext>
+            </a:extLst>
+          </p:cNvPr>
+          <p:cNvSpPr>
+            <a:spLocks noGrp="1"/>
+          </p:cNvSpPr>
+          <p:nvPr>
+            <p:ph type="sldNum" sz="quarter" idx="12"/>
+          </p:nvPr>
+        </p:nvSpPr>
+        <p:spPr/>
+        <p:txBody>
+          <a:bodyPr/>
+          <a:lstStyle/>
+          <a:p>
+            <a:fld id="{44DF53B6-6D75-4385-AF24-F800A42C751D}" type="slidenum">
+              <a:rPr lang="en-US" smtClean="0"/>
+              <a:t>12</a:t>
+            </a:fld>
+            <a:endParaRPr lang="en-US"/>
+          </a:p>
+        </p:txBody>
+      </p:sp>
     </p:spTree>
     <p:extLst>
       <p:ext uri="{BB962C8B-B14F-4D97-AF65-F5344CB8AC3E}">
@@ -3850,6 +4438,63 @@
           </a:p>
         </p:txBody>
       </p:sp>
+      <p:sp>
+        <p:nvSpPr>
+          <p:cNvPr id="4" name="Footer Placeholder 3">
+            <a:extLst>
+              <a:ext uri="{FF2B5EF4-FFF2-40B4-BE49-F238E27FC236}">
+                <a16:creationId xmlns:a16="http://schemas.microsoft.com/office/drawing/2014/main" id="{D6BC3F4E-DBAE-299F-AC8D-B766168D201A}"/>
+              </a:ext>
+            </a:extLst>
+          </p:cNvPr>
+          <p:cNvSpPr>
+            <a:spLocks noGrp="1"/>
+          </p:cNvSpPr>
+          <p:nvPr>
+            <p:ph type="ftr" sz="quarter" idx="11"/>
+          </p:nvPr>
+        </p:nvSpPr>
+        <p:spPr/>
+        <p:txBody>
+          <a:bodyPr/>
+          <a:lstStyle/>
+          <a:p>
+            <a:r>
+              <a:rPr lang="en-US"/>
+              <a:t>GitHub repository: https://github.com/Nguh-Prince/Intro-to-AI</a:t>
+            </a:r>
+          </a:p>
+        </p:txBody>
+      </p:sp>
+      <p:sp>
+        <p:nvSpPr>
+          <p:cNvPr id="5" name="Slide Number Placeholder 4">
+            <a:extLst>
+              <a:ext uri="{FF2B5EF4-FFF2-40B4-BE49-F238E27FC236}">
+                <a16:creationId xmlns:a16="http://schemas.microsoft.com/office/drawing/2014/main" id="{4F89D80F-6A02-8878-313E-826140949F91}"/>
+              </a:ext>
+            </a:extLst>
+          </p:cNvPr>
+          <p:cNvSpPr>
+            <a:spLocks noGrp="1"/>
+          </p:cNvSpPr>
+          <p:nvPr>
+            <p:ph type="sldNum" sz="quarter" idx="12"/>
+          </p:nvPr>
+        </p:nvSpPr>
+        <p:spPr/>
+        <p:txBody>
+          <a:bodyPr/>
+          <a:lstStyle/>
+          <a:p>
+            <a:fld id="{44DF53B6-6D75-4385-AF24-F800A42C751D}" type="slidenum">
+              <a:rPr lang="en-US" smtClean="0"/>
+              <a:t>13</a:t>
+            </a:fld>
+            <a:endParaRPr lang="en-US"/>
+          </a:p>
+        </p:txBody>
+      </p:sp>
     </p:spTree>
     <p:extLst>
       <p:ext uri="{BB962C8B-B14F-4D97-AF65-F5344CB8AC3E}">
@@ -3975,6 +4620,63 @@
           </a:p>
         </p:txBody>
       </p:sp>
+      <p:sp>
+        <p:nvSpPr>
+          <p:cNvPr id="4" name="Footer Placeholder 3">
+            <a:extLst>
+              <a:ext uri="{FF2B5EF4-FFF2-40B4-BE49-F238E27FC236}">
+                <a16:creationId xmlns:a16="http://schemas.microsoft.com/office/drawing/2014/main" id="{CCE8D7B1-5D92-DA0D-32EC-EA1672DAF1C6}"/>
+              </a:ext>
+            </a:extLst>
+          </p:cNvPr>
+          <p:cNvSpPr>
+            <a:spLocks noGrp="1"/>
+          </p:cNvSpPr>
+          <p:nvPr>
+            <p:ph type="ftr" sz="quarter" idx="11"/>
+          </p:nvPr>
+        </p:nvSpPr>
+        <p:spPr/>
+        <p:txBody>
+          <a:bodyPr/>
+          <a:lstStyle/>
+          <a:p>
+            <a:r>
+              <a:rPr lang="en-US"/>
+              <a:t>GitHub repository: https://github.com/Nguh-Prince/Intro-to-AI</a:t>
+            </a:r>
+          </a:p>
+        </p:txBody>
+      </p:sp>
+      <p:sp>
+        <p:nvSpPr>
+          <p:cNvPr id="5" name="Slide Number Placeholder 4">
+            <a:extLst>
+              <a:ext uri="{FF2B5EF4-FFF2-40B4-BE49-F238E27FC236}">
+                <a16:creationId xmlns:a16="http://schemas.microsoft.com/office/drawing/2014/main" id="{E6B42609-15F2-9672-580C-228D9FEFD34B}"/>
+              </a:ext>
+            </a:extLst>
+          </p:cNvPr>
+          <p:cNvSpPr>
+            <a:spLocks noGrp="1"/>
+          </p:cNvSpPr>
+          <p:nvPr>
+            <p:ph type="sldNum" sz="quarter" idx="12"/>
+          </p:nvPr>
+        </p:nvSpPr>
+        <p:spPr/>
+        <p:txBody>
+          <a:bodyPr/>
+          <a:lstStyle/>
+          <a:p>
+            <a:fld id="{44DF53B6-6D75-4385-AF24-F800A42C751D}" type="slidenum">
+              <a:rPr lang="en-US" smtClean="0"/>
+              <a:t>14</a:t>
+            </a:fld>
+            <a:endParaRPr lang="en-US"/>
+          </a:p>
+        </p:txBody>
+      </p:sp>
     </p:spTree>
     <p:extLst>
       <p:ext uri="{BB962C8B-B14F-4D97-AF65-F5344CB8AC3E}">
@@ -4081,6 +4783,63 @@
           </a:p>
         </p:txBody>
       </p:sp>
+      <p:sp>
+        <p:nvSpPr>
+          <p:cNvPr id="4" name="Footer Placeholder 3">
+            <a:extLst>
+              <a:ext uri="{FF2B5EF4-FFF2-40B4-BE49-F238E27FC236}">
+                <a16:creationId xmlns:a16="http://schemas.microsoft.com/office/drawing/2014/main" id="{BD642ABF-9EA4-171E-7586-2F151735D3E0}"/>
+              </a:ext>
+            </a:extLst>
+          </p:cNvPr>
+          <p:cNvSpPr>
+            <a:spLocks noGrp="1"/>
+          </p:cNvSpPr>
+          <p:nvPr>
+            <p:ph type="ftr" sz="quarter" idx="11"/>
+          </p:nvPr>
+        </p:nvSpPr>
+        <p:spPr/>
+        <p:txBody>
+          <a:bodyPr/>
+          <a:lstStyle/>
+          <a:p>
+            <a:r>
+              <a:rPr lang="en-US"/>
+              <a:t>GitHub repository: https://github.com/Nguh-Prince/Intro-to-AI</a:t>
+            </a:r>
+          </a:p>
+        </p:txBody>
+      </p:sp>
+      <p:sp>
+        <p:nvSpPr>
+          <p:cNvPr id="5" name="Slide Number Placeholder 4">
+            <a:extLst>
+              <a:ext uri="{FF2B5EF4-FFF2-40B4-BE49-F238E27FC236}">
+                <a16:creationId xmlns:a16="http://schemas.microsoft.com/office/drawing/2014/main" id="{6D996DC6-4877-4C2E-6315-0BE774E2E9BC}"/>
+              </a:ext>
+            </a:extLst>
+          </p:cNvPr>
+          <p:cNvSpPr>
+            <a:spLocks noGrp="1"/>
+          </p:cNvSpPr>
+          <p:nvPr>
+            <p:ph type="sldNum" sz="quarter" idx="12"/>
+          </p:nvPr>
+        </p:nvSpPr>
+        <p:spPr/>
+        <p:txBody>
+          <a:bodyPr/>
+          <a:lstStyle/>
+          <a:p>
+            <a:fld id="{44DF53B6-6D75-4385-AF24-F800A42C751D}" type="slidenum">
+              <a:rPr lang="en-US" smtClean="0"/>
+              <a:t>15</a:t>
+            </a:fld>
+            <a:endParaRPr lang="en-US"/>
+          </a:p>
+        </p:txBody>
+      </p:sp>
     </p:spTree>
     <p:extLst>
       <p:ext uri="{BB962C8B-B14F-4D97-AF65-F5344CB8AC3E}">
@@ -4189,6 +4948,63 @@
           </a:p>
         </p:txBody>
       </p:sp>
+      <p:sp>
+        <p:nvSpPr>
+          <p:cNvPr id="4" name="Footer Placeholder 3">
+            <a:extLst>
+              <a:ext uri="{FF2B5EF4-FFF2-40B4-BE49-F238E27FC236}">
+                <a16:creationId xmlns:a16="http://schemas.microsoft.com/office/drawing/2014/main" id="{DB5A14A0-531A-512E-FB61-1DF1DDB9566A}"/>
+              </a:ext>
+            </a:extLst>
+          </p:cNvPr>
+          <p:cNvSpPr>
+            <a:spLocks noGrp="1"/>
+          </p:cNvSpPr>
+          <p:nvPr>
+            <p:ph type="ftr" sz="quarter" idx="11"/>
+          </p:nvPr>
+        </p:nvSpPr>
+        <p:spPr/>
+        <p:txBody>
+          <a:bodyPr/>
+          <a:lstStyle/>
+          <a:p>
+            <a:r>
+              <a:rPr lang="en-US"/>
+              <a:t>GitHub repository: https://github.com/Nguh-Prince/Intro-to-AI</a:t>
+            </a:r>
+          </a:p>
+        </p:txBody>
+      </p:sp>
+      <p:sp>
+        <p:nvSpPr>
+          <p:cNvPr id="5" name="Slide Number Placeholder 4">
+            <a:extLst>
+              <a:ext uri="{FF2B5EF4-FFF2-40B4-BE49-F238E27FC236}">
+                <a16:creationId xmlns:a16="http://schemas.microsoft.com/office/drawing/2014/main" id="{C2098EEC-E7E1-08A8-E79C-967B55986EAD}"/>
+              </a:ext>
+            </a:extLst>
+          </p:cNvPr>
+          <p:cNvSpPr>
+            <a:spLocks noGrp="1"/>
+          </p:cNvSpPr>
+          <p:nvPr>
+            <p:ph type="sldNum" sz="quarter" idx="12"/>
+          </p:nvPr>
+        </p:nvSpPr>
+        <p:spPr/>
+        <p:txBody>
+          <a:bodyPr/>
+          <a:lstStyle/>
+          <a:p>
+            <a:fld id="{44DF53B6-6D75-4385-AF24-F800A42C751D}" type="slidenum">
+              <a:rPr lang="en-US" smtClean="0"/>
+              <a:t>16</a:t>
+            </a:fld>
+            <a:endParaRPr lang="en-US"/>
+          </a:p>
+        </p:txBody>
+      </p:sp>
     </p:spTree>
     <p:extLst>
       <p:ext uri="{BB962C8B-B14F-4D97-AF65-F5344CB8AC3E}">
@@ -4297,6 +5113,63 @@
           </a:p>
         </p:txBody>
       </p:sp>
+      <p:sp>
+        <p:nvSpPr>
+          <p:cNvPr id="4" name="Footer Placeholder 3">
+            <a:extLst>
+              <a:ext uri="{FF2B5EF4-FFF2-40B4-BE49-F238E27FC236}">
+                <a16:creationId xmlns:a16="http://schemas.microsoft.com/office/drawing/2014/main" id="{FA00AEFE-74B1-8414-3BD5-172530527BB1}"/>
+              </a:ext>
+            </a:extLst>
+          </p:cNvPr>
+          <p:cNvSpPr>
+            <a:spLocks noGrp="1"/>
+          </p:cNvSpPr>
+          <p:nvPr>
+            <p:ph type="ftr" sz="quarter" idx="11"/>
+          </p:nvPr>
+        </p:nvSpPr>
+        <p:spPr/>
+        <p:txBody>
+          <a:bodyPr/>
+          <a:lstStyle/>
+          <a:p>
+            <a:r>
+              <a:rPr lang="en-US"/>
+              <a:t>GitHub repository: https://github.com/Nguh-Prince/Intro-to-AI</a:t>
+            </a:r>
+          </a:p>
+        </p:txBody>
+      </p:sp>
+      <p:sp>
+        <p:nvSpPr>
+          <p:cNvPr id="5" name="Slide Number Placeholder 4">
+            <a:extLst>
+              <a:ext uri="{FF2B5EF4-FFF2-40B4-BE49-F238E27FC236}">
+                <a16:creationId xmlns:a16="http://schemas.microsoft.com/office/drawing/2014/main" id="{143EB17A-F983-A257-10CC-5E005354F419}"/>
+              </a:ext>
+            </a:extLst>
+          </p:cNvPr>
+          <p:cNvSpPr>
+            <a:spLocks noGrp="1"/>
+          </p:cNvSpPr>
+          <p:nvPr>
+            <p:ph type="sldNum" sz="quarter" idx="12"/>
+          </p:nvPr>
+        </p:nvSpPr>
+        <p:spPr/>
+        <p:txBody>
+          <a:bodyPr/>
+          <a:lstStyle/>
+          <a:p>
+            <a:fld id="{44DF53B6-6D75-4385-AF24-F800A42C751D}" type="slidenum">
+              <a:rPr lang="en-US" smtClean="0"/>
+              <a:t>17</a:t>
+            </a:fld>
+            <a:endParaRPr lang="en-US"/>
+          </a:p>
+        </p:txBody>
+      </p:sp>
     </p:spTree>
     <p:extLst>
       <p:ext uri="{BB962C8B-B14F-4D97-AF65-F5344CB8AC3E}">
@@ -4414,6 +5287,63 @@
           </a:p>
         </p:txBody>
       </p:sp>
+      <p:sp>
+        <p:nvSpPr>
+          <p:cNvPr id="4" name="Footer Placeholder 3">
+            <a:extLst>
+              <a:ext uri="{FF2B5EF4-FFF2-40B4-BE49-F238E27FC236}">
+                <a16:creationId xmlns:a16="http://schemas.microsoft.com/office/drawing/2014/main" id="{2949385C-B875-B482-4FE0-678923315BA4}"/>
+              </a:ext>
+            </a:extLst>
+          </p:cNvPr>
+          <p:cNvSpPr>
+            <a:spLocks noGrp="1"/>
+          </p:cNvSpPr>
+          <p:nvPr>
+            <p:ph type="ftr" sz="quarter" idx="11"/>
+          </p:nvPr>
+        </p:nvSpPr>
+        <p:spPr/>
+        <p:txBody>
+          <a:bodyPr/>
+          <a:lstStyle/>
+          <a:p>
+            <a:r>
+              <a:rPr lang="en-US"/>
+              <a:t>GitHub repository: https://github.com/Nguh-Prince/Intro-to-AI</a:t>
+            </a:r>
+          </a:p>
+        </p:txBody>
+      </p:sp>
+      <p:sp>
+        <p:nvSpPr>
+          <p:cNvPr id="5" name="Slide Number Placeholder 4">
+            <a:extLst>
+              <a:ext uri="{FF2B5EF4-FFF2-40B4-BE49-F238E27FC236}">
+                <a16:creationId xmlns:a16="http://schemas.microsoft.com/office/drawing/2014/main" id="{D34E64BE-AA0C-08B5-D304-DF7ADBCD8241}"/>
+              </a:ext>
+            </a:extLst>
+          </p:cNvPr>
+          <p:cNvSpPr>
+            <a:spLocks noGrp="1"/>
+          </p:cNvSpPr>
+          <p:nvPr>
+            <p:ph type="sldNum" sz="quarter" idx="12"/>
+          </p:nvPr>
+        </p:nvSpPr>
+        <p:spPr/>
+        <p:txBody>
+          <a:bodyPr/>
+          <a:lstStyle/>
+          <a:p>
+            <a:fld id="{44DF53B6-6D75-4385-AF24-F800A42C751D}" type="slidenum">
+              <a:rPr lang="en-US" smtClean="0"/>
+              <a:t>18</a:t>
+            </a:fld>
+            <a:endParaRPr lang="en-US"/>
+          </a:p>
+        </p:txBody>
+      </p:sp>
     </p:spTree>
     <p:extLst>
       <p:ext uri="{BB962C8B-B14F-4D97-AF65-F5344CB8AC3E}">
@@ -4546,6 +5476,63 @@
           </a:p>
         </p:txBody>
       </p:sp>
+      <p:sp>
+        <p:nvSpPr>
+          <p:cNvPr id="4" name="Footer Placeholder 3">
+            <a:extLst>
+              <a:ext uri="{FF2B5EF4-FFF2-40B4-BE49-F238E27FC236}">
+                <a16:creationId xmlns:a16="http://schemas.microsoft.com/office/drawing/2014/main" id="{05450A73-9104-4D72-9887-D729F1B0EC92}"/>
+              </a:ext>
+            </a:extLst>
+          </p:cNvPr>
+          <p:cNvSpPr>
+            <a:spLocks noGrp="1"/>
+          </p:cNvSpPr>
+          <p:nvPr>
+            <p:ph type="ftr" sz="quarter" idx="11"/>
+          </p:nvPr>
+        </p:nvSpPr>
+        <p:spPr/>
+        <p:txBody>
+          <a:bodyPr/>
+          <a:lstStyle/>
+          <a:p>
+            <a:r>
+              <a:rPr lang="en-US"/>
+              <a:t>GitHub repository: https://github.com/Nguh-Prince/Intro-to-AI</a:t>
+            </a:r>
+          </a:p>
+        </p:txBody>
+      </p:sp>
+      <p:sp>
+        <p:nvSpPr>
+          <p:cNvPr id="5" name="Slide Number Placeholder 4">
+            <a:extLst>
+              <a:ext uri="{FF2B5EF4-FFF2-40B4-BE49-F238E27FC236}">
+                <a16:creationId xmlns:a16="http://schemas.microsoft.com/office/drawing/2014/main" id="{EEBCF3D8-E64C-FFD8-F3F3-F9996C8981BF}"/>
+              </a:ext>
+            </a:extLst>
+          </p:cNvPr>
+          <p:cNvSpPr>
+            <a:spLocks noGrp="1"/>
+          </p:cNvSpPr>
+          <p:nvPr>
+            <p:ph type="sldNum" sz="quarter" idx="12"/>
+          </p:nvPr>
+        </p:nvSpPr>
+        <p:spPr/>
+        <p:txBody>
+          <a:bodyPr/>
+          <a:lstStyle/>
+          <a:p>
+            <a:fld id="{44DF53B6-6D75-4385-AF24-F800A42C751D}" type="slidenum">
+              <a:rPr lang="en-US" smtClean="0"/>
+              <a:t>19</a:t>
+            </a:fld>
+            <a:endParaRPr lang="en-US"/>
+          </a:p>
+        </p:txBody>
+      </p:sp>
     </p:spTree>
     <p:extLst>
       <p:ext uri="{BB962C8B-B14F-4D97-AF65-F5344CB8AC3E}">
@@ -4673,6 +5660,63 @@
           </a:p>
         </p:txBody>
       </p:sp>
+      <p:sp>
+        <p:nvSpPr>
+          <p:cNvPr id="4" name="Footer Placeholder 3">
+            <a:extLst>
+              <a:ext uri="{FF2B5EF4-FFF2-40B4-BE49-F238E27FC236}">
+                <a16:creationId xmlns:a16="http://schemas.microsoft.com/office/drawing/2014/main" id="{B9F0F692-85A5-A606-D432-387470779990}"/>
+              </a:ext>
+            </a:extLst>
+          </p:cNvPr>
+          <p:cNvSpPr>
+            <a:spLocks noGrp="1"/>
+          </p:cNvSpPr>
+          <p:nvPr>
+            <p:ph type="ftr" sz="quarter" idx="11"/>
+          </p:nvPr>
+        </p:nvSpPr>
+        <p:spPr/>
+        <p:txBody>
+          <a:bodyPr/>
+          <a:lstStyle/>
+          <a:p>
+            <a:r>
+              <a:rPr lang="en-US"/>
+              <a:t>GitHub repository: https://github.com/Nguh-Prince/Intro-to-AI</a:t>
+            </a:r>
+          </a:p>
+        </p:txBody>
+      </p:sp>
+      <p:sp>
+        <p:nvSpPr>
+          <p:cNvPr id="5" name="Slide Number Placeholder 4">
+            <a:extLst>
+              <a:ext uri="{FF2B5EF4-FFF2-40B4-BE49-F238E27FC236}">
+                <a16:creationId xmlns:a16="http://schemas.microsoft.com/office/drawing/2014/main" id="{C80316D6-C547-1A44-75C1-F17A59191562}"/>
+              </a:ext>
+            </a:extLst>
+          </p:cNvPr>
+          <p:cNvSpPr>
+            <a:spLocks noGrp="1"/>
+          </p:cNvSpPr>
+          <p:nvPr>
+            <p:ph type="sldNum" sz="quarter" idx="12"/>
+          </p:nvPr>
+        </p:nvSpPr>
+        <p:spPr/>
+        <p:txBody>
+          <a:bodyPr/>
+          <a:lstStyle/>
+          <a:p>
+            <a:fld id="{44DF53B6-6D75-4385-AF24-F800A42C751D}" type="slidenum">
+              <a:rPr lang="en-US" smtClean="0"/>
+              <a:t>2</a:t>
+            </a:fld>
+            <a:endParaRPr lang="en-US"/>
+          </a:p>
+        </p:txBody>
+      </p:sp>
     </p:spTree>
     <p:extLst>
       <p:ext uri="{BB962C8B-B14F-4D97-AF65-F5344CB8AC3E}">
@@ -4781,6 +5825,63 @@
           </a:p>
         </p:txBody>
       </p:sp>
+      <p:sp>
+        <p:nvSpPr>
+          <p:cNvPr id="4" name="Footer Placeholder 3">
+            <a:extLst>
+              <a:ext uri="{FF2B5EF4-FFF2-40B4-BE49-F238E27FC236}">
+                <a16:creationId xmlns:a16="http://schemas.microsoft.com/office/drawing/2014/main" id="{BB0E8333-B0E6-18FC-AF7C-F84AFFF6F476}"/>
+              </a:ext>
+            </a:extLst>
+          </p:cNvPr>
+          <p:cNvSpPr>
+            <a:spLocks noGrp="1"/>
+          </p:cNvSpPr>
+          <p:nvPr>
+            <p:ph type="ftr" sz="quarter" idx="11"/>
+          </p:nvPr>
+        </p:nvSpPr>
+        <p:spPr/>
+        <p:txBody>
+          <a:bodyPr/>
+          <a:lstStyle/>
+          <a:p>
+            <a:r>
+              <a:rPr lang="en-US"/>
+              <a:t>GitHub repository: https://github.com/Nguh-Prince/Intro-to-AI</a:t>
+            </a:r>
+          </a:p>
+        </p:txBody>
+      </p:sp>
+      <p:sp>
+        <p:nvSpPr>
+          <p:cNvPr id="5" name="Slide Number Placeholder 4">
+            <a:extLst>
+              <a:ext uri="{FF2B5EF4-FFF2-40B4-BE49-F238E27FC236}">
+                <a16:creationId xmlns:a16="http://schemas.microsoft.com/office/drawing/2014/main" id="{9F622D19-54C3-FA66-23D6-49A005759EB0}"/>
+              </a:ext>
+            </a:extLst>
+          </p:cNvPr>
+          <p:cNvSpPr>
+            <a:spLocks noGrp="1"/>
+          </p:cNvSpPr>
+          <p:nvPr>
+            <p:ph type="sldNum" sz="quarter" idx="12"/>
+          </p:nvPr>
+        </p:nvSpPr>
+        <p:spPr/>
+        <p:txBody>
+          <a:bodyPr/>
+          <a:lstStyle/>
+          <a:p>
+            <a:fld id="{44DF53B6-6D75-4385-AF24-F800A42C751D}" type="slidenum">
+              <a:rPr lang="en-US" smtClean="0"/>
+              <a:t>20</a:t>
+            </a:fld>
+            <a:endParaRPr lang="en-US"/>
+          </a:p>
+        </p:txBody>
+      </p:sp>
     </p:spTree>
     <p:extLst>
       <p:ext uri="{BB962C8B-B14F-4D97-AF65-F5344CB8AC3E}">
@@ -4880,6 +5981,63 @@
           </a:p>
         </p:txBody>
       </p:sp>
+      <p:sp>
+        <p:nvSpPr>
+          <p:cNvPr id="4" name="Footer Placeholder 3">
+            <a:extLst>
+              <a:ext uri="{FF2B5EF4-FFF2-40B4-BE49-F238E27FC236}">
+                <a16:creationId xmlns:a16="http://schemas.microsoft.com/office/drawing/2014/main" id="{555C8FB9-65A8-BBB2-4F38-C51DB14425F3}"/>
+              </a:ext>
+            </a:extLst>
+          </p:cNvPr>
+          <p:cNvSpPr>
+            <a:spLocks noGrp="1"/>
+          </p:cNvSpPr>
+          <p:nvPr>
+            <p:ph type="ftr" sz="quarter" idx="11"/>
+          </p:nvPr>
+        </p:nvSpPr>
+        <p:spPr/>
+        <p:txBody>
+          <a:bodyPr/>
+          <a:lstStyle/>
+          <a:p>
+            <a:r>
+              <a:rPr lang="en-US"/>
+              <a:t>GitHub repository: https://github.com/Nguh-Prince/Intro-to-AI</a:t>
+            </a:r>
+          </a:p>
+        </p:txBody>
+      </p:sp>
+      <p:sp>
+        <p:nvSpPr>
+          <p:cNvPr id="5" name="Slide Number Placeholder 4">
+            <a:extLst>
+              <a:ext uri="{FF2B5EF4-FFF2-40B4-BE49-F238E27FC236}">
+                <a16:creationId xmlns:a16="http://schemas.microsoft.com/office/drawing/2014/main" id="{A4385371-2BF5-6E4B-4A91-B56BA71B4AA3}"/>
+              </a:ext>
+            </a:extLst>
+          </p:cNvPr>
+          <p:cNvSpPr>
+            <a:spLocks noGrp="1"/>
+          </p:cNvSpPr>
+          <p:nvPr>
+            <p:ph type="sldNum" sz="quarter" idx="12"/>
+          </p:nvPr>
+        </p:nvSpPr>
+        <p:spPr/>
+        <p:txBody>
+          <a:bodyPr/>
+          <a:lstStyle/>
+          <a:p>
+            <a:fld id="{44DF53B6-6D75-4385-AF24-F800A42C751D}" type="slidenum">
+              <a:rPr lang="en-US" smtClean="0"/>
+              <a:t>21</a:t>
+            </a:fld>
+            <a:endParaRPr lang="en-US"/>
+          </a:p>
+        </p:txBody>
+      </p:sp>
     </p:spTree>
     <p:extLst>
       <p:ext uri="{BB962C8B-B14F-4D97-AF65-F5344CB8AC3E}">
@@ -5002,6 +6160,63 @@
           </a:p>
         </p:txBody>
       </p:sp>
+      <p:sp>
+        <p:nvSpPr>
+          <p:cNvPr id="4" name="Footer Placeholder 3">
+            <a:extLst>
+              <a:ext uri="{FF2B5EF4-FFF2-40B4-BE49-F238E27FC236}">
+                <a16:creationId xmlns:a16="http://schemas.microsoft.com/office/drawing/2014/main" id="{55013E63-9781-749D-E709-C77FDE44A7FB}"/>
+              </a:ext>
+            </a:extLst>
+          </p:cNvPr>
+          <p:cNvSpPr>
+            <a:spLocks noGrp="1"/>
+          </p:cNvSpPr>
+          <p:nvPr>
+            <p:ph type="ftr" sz="quarter" idx="11"/>
+          </p:nvPr>
+        </p:nvSpPr>
+        <p:spPr/>
+        <p:txBody>
+          <a:bodyPr/>
+          <a:lstStyle/>
+          <a:p>
+            <a:r>
+              <a:rPr lang="en-US"/>
+              <a:t>GitHub repository: https://github.com/Nguh-Prince/Intro-to-AI</a:t>
+            </a:r>
+          </a:p>
+        </p:txBody>
+      </p:sp>
+      <p:sp>
+        <p:nvSpPr>
+          <p:cNvPr id="5" name="Slide Number Placeholder 4">
+            <a:extLst>
+              <a:ext uri="{FF2B5EF4-FFF2-40B4-BE49-F238E27FC236}">
+                <a16:creationId xmlns:a16="http://schemas.microsoft.com/office/drawing/2014/main" id="{C48AE9B8-0F48-4DA0-08C5-29C691219C75}"/>
+              </a:ext>
+            </a:extLst>
+          </p:cNvPr>
+          <p:cNvSpPr>
+            <a:spLocks noGrp="1"/>
+          </p:cNvSpPr>
+          <p:nvPr>
+            <p:ph type="sldNum" sz="quarter" idx="12"/>
+          </p:nvPr>
+        </p:nvSpPr>
+        <p:spPr/>
+        <p:txBody>
+          <a:bodyPr/>
+          <a:lstStyle/>
+          <a:p>
+            <a:fld id="{44DF53B6-6D75-4385-AF24-F800A42C751D}" type="slidenum">
+              <a:rPr lang="en-US" smtClean="0"/>
+              <a:t>22</a:t>
+            </a:fld>
+            <a:endParaRPr lang="en-US"/>
+          </a:p>
+        </p:txBody>
+      </p:sp>
     </p:spTree>
     <p:extLst>
       <p:ext uri="{BB962C8B-B14F-4D97-AF65-F5344CB8AC3E}">
@@ -5174,6 +6389,63 @@
           </a:prstGeom>
         </p:spPr>
       </p:pic>
+      <p:sp>
+        <p:nvSpPr>
+          <p:cNvPr id="4" name="Footer Placeholder 3">
+            <a:extLst>
+              <a:ext uri="{FF2B5EF4-FFF2-40B4-BE49-F238E27FC236}">
+                <a16:creationId xmlns:a16="http://schemas.microsoft.com/office/drawing/2014/main" id="{C2B24C85-F11B-8E5A-680E-9BB7C56C695F}"/>
+              </a:ext>
+            </a:extLst>
+          </p:cNvPr>
+          <p:cNvSpPr>
+            <a:spLocks noGrp="1"/>
+          </p:cNvSpPr>
+          <p:nvPr>
+            <p:ph type="ftr" sz="quarter" idx="11"/>
+          </p:nvPr>
+        </p:nvSpPr>
+        <p:spPr/>
+        <p:txBody>
+          <a:bodyPr/>
+          <a:lstStyle/>
+          <a:p>
+            <a:r>
+              <a:rPr lang="en-US"/>
+              <a:t>GitHub repository: https://github.com/Nguh-Prince/Intro-to-AI</a:t>
+            </a:r>
+          </a:p>
+        </p:txBody>
+      </p:sp>
+      <p:sp>
+        <p:nvSpPr>
+          <p:cNvPr id="6" name="Slide Number Placeholder 5">
+            <a:extLst>
+              <a:ext uri="{FF2B5EF4-FFF2-40B4-BE49-F238E27FC236}">
+                <a16:creationId xmlns:a16="http://schemas.microsoft.com/office/drawing/2014/main" id="{05382A4E-6277-B34F-6A62-7C06D2A1772A}"/>
+              </a:ext>
+            </a:extLst>
+          </p:cNvPr>
+          <p:cNvSpPr>
+            <a:spLocks noGrp="1"/>
+          </p:cNvSpPr>
+          <p:nvPr>
+            <p:ph type="sldNum" sz="quarter" idx="12"/>
+          </p:nvPr>
+        </p:nvSpPr>
+        <p:spPr/>
+        <p:txBody>
+          <a:bodyPr/>
+          <a:lstStyle/>
+          <a:p>
+            <a:fld id="{44DF53B6-6D75-4385-AF24-F800A42C751D}" type="slidenum">
+              <a:rPr lang="en-US" smtClean="0"/>
+              <a:t>3</a:t>
+            </a:fld>
+            <a:endParaRPr lang="en-US"/>
+          </a:p>
+        </p:txBody>
+      </p:sp>
     </p:spTree>
     <p:extLst>
       <p:ext uri="{BB962C8B-B14F-4D97-AF65-F5344CB8AC3E}">
@@ -5272,6 +6544,63 @@
           </a:p>
         </p:txBody>
       </p:sp>
+      <p:sp>
+        <p:nvSpPr>
+          <p:cNvPr id="4" name="Footer Placeholder 3">
+            <a:extLst>
+              <a:ext uri="{FF2B5EF4-FFF2-40B4-BE49-F238E27FC236}">
+                <a16:creationId xmlns:a16="http://schemas.microsoft.com/office/drawing/2014/main" id="{BB8B7D8F-A72F-AC00-7E1C-F82B6058C03A}"/>
+              </a:ext>
+            </a:extLst>
+          </p:cNvPr>
+          <p:cNvSpPr>
+            <a:spLocks noGrp="1"/>
+          </p:cNvSpPr>
+          <p:nvPr>
+            <p:ph type="ftr" sz="quarter" idx="11"/>
+          </p:nvPr>
+        </p:nvSpPr>
+        <p:spPr/>
+        <p:txBody>
+          <a:bodyPr/>
+          <a:lstStyle/>
+          <a:p>
+            <a:r>
+              <a:rPr lang="en-US"/>
+              <a:t>GitHub repository: https://github.com/Nguh-Prince/Intro-to-AI</a:t>
+            </a:r>
+          </a:p>
+        </p:txBody>
+      </p:sp>
+      <p:sp>
+        <p:nvSpPr>
+          <p:cNvPr id="5" name="Slide Number Placeholder 4">
+            <a:extLst>
+              <a:ext uri="{FF2B5EF4-FFF2-40B4-BE49-F238E27FC236}">
+                <a16:creationId xmlns:a16="http://schemas.microsoft.com/office/drawing/2014/main" id="{1D2E6E90-FC9E-78ED-B640-16B352FC7903}"/>
+              </a:ext>
+            </a:extLst>
+          </p:cNvPr>
+          <p:cNvSpPr>
+            <a:spLocks noGrp="1"/>
+          </p:cNvSpPr>
+          <p:nvPr>
+            <p:ph type="sldNum" sz="quarter" idx="12"/>
+          </p:nvPr>
+        </p:nvSpPr>
+        <p:spPr/>
+        <p:txBody>
+          <a:bodyPr/>
+          <a:lstStyle/>
+          <a:p>
+            <a:fld id="{44DF53B6-6D75-4385-AF24-F800A42C751D}" type="slidenum">
+              <a:rPr lang="en-US" smtClean="0"/>
+              <a:t>4</a:t>
+            </a:fld>
+            <a:endParaRPr lang="en-US"/>
+          </a:p>
+        </p:txBody>
+      </p:sp>
     </p:spTree>
     <p:extLst>
       <p:ext uri="{BB962C8B-B14F-4D97-AF65-F5344CB8AC3E}">
@@ -5370,6 +6699,63 @@
           </a:p>
         </p:txBody>
       </p:sp>
+      <p:sp>
+        <p:nvSpPr>
+          <p:cNvPr id="4" name="Footer Placeholder 3">
+            <a:extLst>
+              <a:ext uri="{FF2B5EF4-FFF2-40B4-BE49-F238E27FC236}">
+                <a16:creationId xmlns:a16="http://schemas.microsoft.com/office/drawing/2014/main" id="{0A7A1C9A-A3B1-E262-519A-13EBF48F5B70}"/>
+              </a:ext>
+            </a:extLst>
+          </p:cNvPr>
+          <p:cNvSpPr>
+            <a:spLocks noGrp="1"/>
+          </p:cNvSpPr>
+          <p:nvPr>
+            <p:ph type="ftr" sz="quarter" idx="11"/>
+          </p:nvPr>
+        </p:nvSpPr>
+        <p:spPr/>
+        <p:txBody>
+          <a:bodyPr/>
+          <a:lstStyle/>
+          <a:p>
+            <a:r>
+              <a:rPr lang="en-US"/>
+              <a:t>GitHub repository: https://github.com/Nguh-Prince/Intro-to-AI</a:t>
+            </a:r>
+          </a:p>
+        </p:txBody>
+      </p:sp>
+      <p:sp>
+        <p:nvSpPr>
+          <p:cNvPr id="5" name="Slide Number Placeholder 4">
+            <a:extLst>
+              <a:ext uri="{FF2B5EF4-FFF2-40B4-BE49-F238E27FC236}">
+                <a16:creationId xmlns:a16="http://schemas.microsoft.com/office/drawing/2014/main" id="{01FAE2E9-0F3E-2A54-DF39-82C86C34CF21}"/>
+              </a:ext>
+            </a:extLst>
+          </p:cNvPr>
+          <p:cNvSpPr>
+            <a:spLocks noGrp="1"/>
+          </p:cNvSpPr>
+          <p:nvPr>
+            <p:ph type="sldNum" sz="quarter" idx="12"/>
+          </p:nvPr>
+        </p:nvSpPr>
+        <p:spPr/>
+        <p:txBody>
+          <a:bodyPr/>
+          <a:lstStyle/>
+          <a:p>
+            <a:fld id="{44DF53B6-6D75-4385-AF24-F800A42C751D}" type="slidenum">
+              <a:rPr lang="en-US" smtClean="0"/>
+              <a:t>5</a:t>
+            </a:fld>
+            <a:endParaRPr lang="en-US"/>
+          </a:p>
+        </p:txBody>
+      </p:sp>
     </p:spTree>
     <p:extLst>
       <p:ext uri="{BB962C8B-B14F-4D97-AF65-F5344CB8AC3E}">
@@ -5477,6 +6863,63 @@
           </a:extLst>
         </p:spPr>
       </p:pic>
+      <p:sp>
+        <p:nvSpPr>
+          <p:cNvPr id="3" name="Footer Placeholder 2">
+            <a:extLst>
+              <a:ext uri="{FF2B5EF4-FFF2-40B4-BE49-F238E27FC236}">
+                <a16:creationId xmlns:a16="http://schemas.microsoft.com/office/drawing/2014/main" id="{94637DF4-2B02-2766-BF0D-0E797E16D505}"/>
+              </a:ext>
+            </a:extLst>
+          </p:cNvPr>
+          <p:cNvSpPr>
+            <a:spLocks noGrp="1"/>
+          </p:cNvSpPr>
+          <p:nvPr>
+            <p:ph type="ftr" sz="quarter" idx="11"/>
+          </p:nvPr>
+        </p:nvSpPr>
+        <p:spPr/>
+        <p:txBody>
+          <a:bodyPr/>
+          <a:lstStyle/>
+          <a:p>
+            <a:r>
+              <a:rPr lang="en-US"/>
+              <a:t>GitHub repository: https://github.com/Nguh-Prince/Intro-to-AI</a:t>
+            </a:r>
+          </a:p>
+        </p:txBody>
+      </p:sp>
+      <p:sp>
+        <p:nvSpPr>
+          <p:cNvPr id="4" name="Slide Number Placeholder 3">
+            <a:extLst>
+              <a:ext uri="{FF2B5EF4-FFF2-40B4-BE49-F238E27FC236}">
+                <a16:creationId xmlns:a16="http://schemas.microsoft.com/office/drawing/2014/main" id="{35004C2F-D31F-7FE7-0114-D86384CC0242}"/>
+              </a:ext>
+            </a:extLst>
+          </p:cNvPr>
+          <p:cNvSpPr>
+            <a:spLocks noGrp="1"/>
+          </p:cNvSpPr>
+          <p:nvPr>
+            <p:ph type="sldNum" sz="quarter" idx="12"/>
+          </p:nvPr>
+        </p:nvSpPr>
+        <p:spPr/>
+        <p:txBody>
+          <a:bodyPr/>
+          <a:lstStyle/>
+          <a:p>
+            <a:fld id="{44DF53B6-6D75-4385-AF24-F800A42C751D}" type="slidenum">
+              <a:rPr lang="en-US" smtClean="0"/>
+              <a:t>6</a:t>
+            </a:fld>
+            <a:endParaRPr lang="en-US"/>
+          </a:p>
+        </p:txBody>
+      </p:sp>
     </p:spTree>
     <p:extLst>
       <p:ext uri="{BB962C8B-B14F-4D97-AF65-F5344CB8AC3E}">
@@ -5597,6 +7040,63 @@
           </a:p>
         </p:txBody>
       </p:sp>
+      <p:sp>
+        <p:nvSpPr>
+          <p:cNvPr id="4" name="Footer Placeholder 3">
+            <a:extLst>
+              <a:ext uri="{FF2B5EF4-FFF2-40B4-BE49-F238E27FC236}">
+                <a16:creationId xmlns:a16="http://schemas.microsoft.com/office/drawing/2014/main" id="{8B706E39-A05F-EFA3-0C05-5122C09841B6}"/>
+              </a:ext>
+            </a:extLst>
+          </p:cNvPr>
+          <p:cNvSpPr>
+            <a:spLocks noGrp="1"/>
+          </p:cNvSpPr>
+          <p:nvPr>
+            <p:ph type="ftr" sz="quarter" idx="11"/>
+          </p:nvPr>
+        </p:nvSpPr>
+        <p:spPr/>
+        <p:txBody>
+          <a:bodyPr/>
+          <a:lstStyle/>
+          <a:p>
+            <a:r>
+              <a:rPr lang="en-US"/>
+              <a:t>GitHub repository: https://github.com/Nguh-Prince/Intro-to-AI</a:t>
+            </a:r>
+          </a:p>
+        </p:txBody>
+      </p:sp>
+      <p:sp>
+        <p:nvSpPr>
+          <p:cNvPr id="5" name="Slide Number Placeholder 4">
+            <a:extLst>
+              <a:ext uri="{FF2B5EF4-FFF2-40B4-BE49-F238E27FC236}">
+                <a16:creationId xmlns:a16="http://schemas.microsoft.com/office/drawing/2014/main" id="{EC97C357-B497-7B8B-BC91-006AF81CC491}"/>
+              </a:ext>
+            </a:extLst>
+          </p:cNvPr>
+          <p:cNvSpPr>
+            <a:spLocks noGrp="1"/>
+          </p:cNvSpPr>
+          <p:nvPr>
+            <p:ph type="sldNum" sz="quarter" idx="12"/>
+          </p:nvPr>
+        </p:nvSpPr>
+        <p:spPr/>
+        <p:txBody>
+          <a:bodyPr/>
+          <a:lstStyle/>
+          <a:p>
+            <a:fld id="{44DF53B6-6D75-4385-AF24-F800A42C751D}" type="slidenum">
+              <a:rPr lang="en-US" smtClean="0"/>
+              <a:t>7</a:t>
+            </a:fld>
+            <a:endParaRPr lang="en-US"/>
+          </a:p>
+        </p:txBody>
+      </p:sp>
     </p:spTree>
     <p:extLst>
       <p:ext uri="{BB962C8B-B14F-4D97-AF65-F5344CB8AC3E}">
@@ -5751,6 +7251,63 @@
           </a:p>
         </p:txBody>
       </p:sp>
+      <p:sp>
+        <p:nvSpPr>
+          <p:cNvPr id="4" name="Footer Placeholder 3">
+            <a:extLst>
+              <a:ext uri="{FF2B5EF4-FFF2-40B4-BE49-F238E27FC236}">
+                <a16:creationId xmlns:a16="http://schemas.microsoft.com/office/drawing/2014/main" id="{E1A6F00F-9F8F-DA52-9900-BFD67867FE4F}"/>
+              </a:ext>
+            </a:extLst>
+          </p:cNvPr>
+          <p:cNvSpPr>
+            <a:spLocks noGrp="1"/>
+          </p:cNvSpPr>
+          <p:nvPr>
+            <p:ph type="ftr" sz="quarter" idx="11"/>
+          </p:nvPr>
+        </p:nvSpPr>
+        <p:spPr/>
+        <p:txBody>
+          <a:bodyPr/>
+          <a:lstStyle/>
+          <a:p>
+            <a:r>
+              <a:rPr lang="en-US"/>
+              <a:t>GitHub repository: https://github.com/Nguh-Prince/Intro-to-AI</a:t>
+            </a:r>
+          </a:p>
+        </p:txBody>
+      </p:sp>
+      <p:sp>
+        <p:nvSpPr>
+          <p:cNvPr id="5" name="Slide Number Placeholder 4">
+            <a:extLst>
+              <a:ext uri="{FF2B5EF4-FFF2-40B4-BE49-F238E27FC236}">
+                <a16:creationId xmlns:a16="http://schemas.microsoft.com/office/drawing/2014/main" id="{D8D30C17-8705-E951-9702-2FFE681B65A3}"/>
+              </a:ext>
+            </a:extLst>
+          </p:cNvPr>
+          <p:cNvSpPr>
+            <a:spLocks noGrp="1"/>
+          </p:cNvSpPr>
+          <p:nvPr>
+            <p:ph type="sldNum" sz="quarter" idx="12"/>
+          </p:nvPr>
+        </p:nvSpPr>
+        <p:spPr/>
+        <p:txBody>
+          <a:bodyPr/>
+          <a:lstStyle/>
+          <a:p>
+            <a:fld id="{44DF53B6-6D75-4385-AF24-F800A42C751D}" type="slidenum">
+              <a:rPr lang="en-US" smtClean="0"/>
+              <a:t>8</a:t>
+            </a:fld>
+            <a:endParaRPr lang="en-US"/>
+          </a:p>
+        </p:txBody>
+      </p:sp>
     </p:spTree>
     <p:extLst>
       <p:ext uri="{BB962C8B-B14F-4D97-AF65-F5344CB8AC3E}">
@@ -5832,15 +7389,7 @@
           <a:p>
             <a:r>
               <a:rPr lang="en-US" dirty="0"/>
-              <a:t>In uncertain domains, knowledge needs to be represented in a way that captures </a:t>
-            </a:r>
-            <a:r>
-              <a:rPr lang="en-US" dirty="0" err="1"/>
-              <a:t>probabilisitic</a:t>
-            </a:r>
-            <a:r>
-              <a:rPr lang="en-US" dirty="0"/>
-              <a:t> dependencies and uncertainties.</a:t>
+              <a:t>In uncertain domains, knowledge needs to be represented in a way that captures probabilistic dependencies and uncertainties.</a:t>
             </a:r>
           </a:p>
           <a:p>
@@ -5869,6 +7418,63 @@
               <a:buNone/>
             </a:pPr>
             <a:endParaRPr lang="en-US" dirty="0"/>
+          </a:p>
+        </p:txBody>
+      </p:sp>
+      <p:sp>
+        <p:nvSpPr>
+          <p:cNvPr id="4" name="Footer Placeholder 3">
+            <a:extLst>
+              <a:ext uri="{FF2B5EF4-FFF2-40B4-BE49-F238E27FC236}">
+                <a16:creationId xmlns:a16="http://schemas.microsoft.com/office/drawing/2014/main" id="{E6AD889D-9D80-676C-57CF-15622E1D95EE}"/>
+              </a:ext>
+            </a:extLst>
+          </p:cNvPr>
+          <p:cNvSpPr>
+            <a:spLocks noGrp="1"/>
+          </p:cNvSpPr>
+          <p:nvPr>
+            <p:ph type="ftr" sz="quarter" idx="11"/>
+          </p:nvPr>
+        </p:nvSpPr>
+        <p:spPr/>
+        <p:txBody>
+          <a:bodyPr/>
+          <a:lstStyle/>
+          <a:p>
+            <a:r>
+              <a:rPr lang="en-US"/>
+              <a:t>GitHub repository: https://github.com/Nguh-Prince/Intro-to-AI</a:t>
+            </a:r>
+          </a:p>
+        </p:txBody>
+      </p:sp>
+      <p:sp>
+        <p:nvSpPr>
+          <p:cNvPr id="5" name="Slide Number Placeholder 4">
+            <a:extLst>
+              <a:ext uri="{FF2B5EF4-FFF2-40B4-BE49-F238E27FC236}">
+                <a16:creationId xmlns:a16="http://schemas.microsoft.com/office/drawing/2014/main" id="{1B849CDA-B825-3E10-CC3D-85D1CDE815E5}"/>
+              </a:ext>
+            </a:extLst>
+          </p:cNvPr>
+          <p:cNvSpPr>
+            <a:spLocks noGrp="1"/>
+          </p:cNvSpPr>
+          <p:nvPr>
+            <p:ph type="sldNum" sz="quarter" idx="12"/>
+          </p:nvPr>
+        </p:nvSpPr>
+        <p:spPr/>
+        <p:txBody>
+          <a:bodyPr/>
+          <a:lstStyle/>
+          <a:p>
+            <a:fld id="{44DF53B6-6D75-4385-AF24-F800A42C751D}" type="slidenum">
+              <a:rPr lang="en-US" smtClean="0"/>
+              <a:t>9</a:t>
+            </a:fld>
+            <a:endParaRPr lang="en-US"/>
           </a:p>
         </p:txBody>
       </p:sp>
@@ -6178,4 +7784,299 @@
     </a:ext>
   </a:extLst>
 </a:theme>
+</file>
+
+<file path=ppt/theme/theme2.xml><?xml version="1.0" encoding="utf-8"?>
+<a:theme xmlns:a="http://schemas.openxmlformats.org/drawingml/2006/main" name="Office Theme">
+  <a:themeElements>
+    <a:clrScheme name="Office">
+      <a:dk1>
+        <a:sysClr val="windowText" lastClr="000000"/>
+      </a:dk1>
+      <a:lt1>
+        <a:sysClr val="window" lastClr="FFFFFF"/>
+      </a:lt1>
+      <a:dk2>
+        <a:srgbClr val="44546A"/>
+      </a:dk2>
+      <a:lt2>
+        <a:srgbClr val="E7E6E6"/>
+      </a:lt2>
+      <a:accent1>
+        <a:srgbClr val="4472C4"/>
+      </a:accent1>
+      <a:accent2>
+        <a:srgbClr val="ED7D31"/>
+      </a:accent2>
+      <a:accent3>
+        <a:srgbClr val="A5A5A5"/>
+      </a:accent3>
+      <a:accent4>
+        <a:srgbClr val="FFC000"/>
+      </a:accent4>
+      <a:accent5>
+        <a:srgbClr val="5B9BD5"/>
+      </a:accent5>
+      <a:accent6>
+        <a:srgbClr val="70AD47"/>
+      </a:accent6>
+      <a:hlink>
+        <a:srgbClr val="0563C1"/>
+      </a:hlink>
+      <a:folHlink>
+        <a:srgbClr val="954F72"/>
+      </a:folHlink>
+    </a:clrScheme>
+    <a:fontScheme name="Office">
+      <a:majorFont>
+        <a:latin typeface="Calibri Light" panose="020F0302020204030204"/>
+        <a:ea typeface=""/>
+        <a:cs typeface=""/>
+        <a:font script="Jpan" typeface="游ゴシック Light"/>
+        <a:font script="Hang" typeface="맑은 고딕"/>
+        <a:font script="Hans" typeface="等线 Light"/>
+        <a:font script="Hant" typeface="新細明體"/>
+        <a:font script="Arab" typeface="Times New Roman"/>
+        <a:font script="Hebr" typeface="Times New Roman"/>
+        <a:font script="Thai" typeface="Angsana New"/>
+        <a:font script="Ethi" typeface="Nyala"/>
+        <a:font script="Beng" typeface="Vrinda"/>
+        <a:font script="Gujr" typeface="Shruti"/>
+        <a:font script="Khmr" typeface="MoolBoran"/>
+        <a:font script="Knda" typeface="Tunga"/>
+        <a:font script="Guru" typeface="Raavi"/>
+        <a:font script="Cans" typeface="Euphemia"/>
+        <a:font script="Cher" typeface="Plantagenet Cherokee"/>
+        <a:font script="Yiii" typeface="Microsoft Yi Baiti"/>
+        <a:font script="Tibt" typeface="Microsoft Himalaya"/>
+        <a:font script="Thaa" typeface="MV Boli"/>
+        <a:font script="Deva" typeface="Mangal"/>
+        <a:font script="Telu" typeface="Gautami"/>
+        <a:font script="Taml" typeface="Latha"/>
+        <a:font script="Syrc" typeface="Estrangelo Edessa"/>
+        <a:font script="Orya" typeface="Kalinga"/>
+        <a:font script="Mlym" typeface="Kartika"/>
+        <a:font script="Laoo" typeface="DokChampa"/>
+        <a:font script="Sinh" typeface="Iskoola Pota"/>
+        <a:font script="Mong" typeface="Mongolian Baiti"/>
+        <a:font script="Viet" typeface="Times New Roman"/>
+        <a:font script="Uigh" typeface="Microsoft Uighur"/>
+        <a:font script="Geor" typeface="Sylfaen"/>
+        <a:font script="Armn" typeface="Arial"/>
+        <a:font script="Bugi" typeface="Leelawadee UI"/>
+        <a:font script="Bopo" typeface="Microsoft JhengHei"/>
+        <a:font script="Java" typeface="Javanese Text"/>
+        <a:font script="Lisu" typeface="Segoe UI"/>
+        <a:font script="Mymr" typeface="Myanmar Text"/>
+        <a:font script="Nkoo" typeface="Ebrima"/>
+        <a:font script="Olck" typeface="Nirmala UI"/>
+        <a:font script="Osma" typeface="Ebrima"/>
+        <a:font script="Phag" typeface="Phagspa"/>
+        <a:font script="Syrn" typeface="Estrangelo Edessa"/>
+        <a:font script="Syrj" typeface="Estrangelo Edessa"/>
+        <a:font script="Syre" typeface="Estrangelo Edessa"/>
+        <a:font script="Sora" typeface="Nirmala UI"/>
+        <a:font script="Tale" typeface="Microsoft Tai Le"/>
+        <a:font script="Talu" typeface="Microsoft New Tai Lue"/>
+        <a:font script="Tfng" typeface="Ebrima"/>
+      </a:majorFont>
+      <a:minorFont>
+        <a:latin typeface="Calibri" panose="020F0502020204030204"/>
+        <a:ea typeface=""/>
+        <a:cs typeface=""/>
+        <a:font script="Jpan" typeface="游ゴシック"/>
+        <a:font script="Hang" typeface="맑은 고딕"/>
+        <a:font script="Hans" typeface="等线"/>
+        <a:font script="Hant" typeface="新細明體"/>
+        <a:font script="Arab" typeface="Arial"/>
+        <a:font script="Hebr" typeface="Arial"/>
+        <a:font script="Thai" typeface="Cordia New"/>
+        <a:font script="Ethi" typeface="Nyala"/>
+        <a:font script="Beng" typeface="Vrinda"/>
+        <a:font script="Gujr" typeface="Shruti"/>
+        <a:font script="Khmr" typeface="DaunPenh"/>
+        <a:font script="Knda" typeface="Tunga"/>
+        <a:font script="Guru" typeface="Raavi"/>
+        <a:font script="Cans" typeface="Euphemia"/>
+        <a:font script="Cher" typeface="Plantagenet Cherokee"/>
+        <a:font script="Yiii" typeface="Microsoft Yi Baiti"/>
+        <a:font script="Tibt" typeface="Microsoft Himalaya"/>
+        <a:font script="Thaa" typeface="MV Boli"/>
+        <a:font script="Deva" typeface="Mangal"/>
+        <a:font script="Telu" typeface="Gautami"/>
+        <a:font script="Taml" typeface="Latha"/>
+        <a:font script="Syrc" typeface="Estrangelo Edessa"/>
+        <a:font script="Orya" typeface="Kalinga"/>
+        <a:font script="Mlym" typeface="Kartika"/>
+        <a:font script="Laoo" typeface="DokChampa"/>
+        <a:font script="Sinh" typeface="Iskoola Pota"/>
+        <a:font script="Mong" typeface="Mongolian Baiti"/>
+        <a:font script="Viet" typeface="Arial"/>
+        <a:font script="Uigh" typeface="Microsoft Uighur"/>
+        <a:font script="Geor" typeface="Sylfaen"/>
+        <a:font script="Armn" typeface="Arial"/>
+        <a:font script="Bugi" typeface="Leelawadee UI"/>
+        <a:font script="Bopo" typeface="Microsoft JhengHei"/>
+        <a:font script="Java" typeface="Javanese Text"/>
+        <a:font script="Lisu" typeface="Segoe UI"/>
+        <a:font script="Mymr" typeface="Myanmar Text"/>
+        <a:font script="Nkoo" typeface="Ebrima"/>
+        <a:font script="Olck" typeface="Nirmala UI"/>
+        <a:font script="Osma" typeface="Ebrima"/>
+        <a:font script="Phag" typeface="Phagspa"/>
+        <a:font script="Syrn" typeface="Estrangelo Edessa"/>
+        <a:font script="Syrj" typeface="Estrangelo Edessa"/>
+        <a:font script="Syre" typeface="Estrangelo Edessa"/>
+        <a:font script="Sora" typeface="Nirmala UI"/>
+        <a:font script="Tale" typeface="Microsoft Tai Le"/>
+        <a:font script="Talu" typeface="Microsoft New Tai Lue"/>
+        <a:font script="Tfng" typeface="Ebrima"/>
+      </a:minorFont>
+    </a:fontScheme>
+    <a:fmtScheme name="Office">
+      <a:fillStyleLst>
+        <a:solidFill>
+          <a:schemeClr val="phClr"/>
+        </a:solidFill>
+        <a:gradFill rotWithShape="1">
+          <a:gsLst>
+            <a:gs pos="0">
+              <a:schemeClr val="phClr">
+                <a:lumMod val="110000"/>
+                <a:satMod val="105000"/>
+                <a:tint val="67000"/>
+              </a:schemeClr>
+            </a:gs>
+            <a:gs pos="50000">
+              <a:schemeClr val="phClr">
+                <a:lumMod val="105000"/>
+                <a:satMod val="103000"/>
+                <a:tint val="73000"/>
+              </a:schemeClr>
+            </a:gs>
+            <a:gs pos="100000">
+              <a:schemeClr val="phClr">
+                <a:lumMod val="105000"/>
+                <a:satMod val="109000"/>
+                <a:tint val="81000"/>
+              </a:schemeClr>
+            </a:gs>
+          </a:gsLst>
+          <a:lin ang="5400000" scaled="0"/>
+        </a:gradFill>
+        <a:gradFill rotWithShape="1">
+          <a:gsLst>
+            <a:gs pos="0">
+              <a:schemeClr val="phClr">
+                <a:satMod val="103000"/>
+                <a:lumMod val="102000"/>
+                <a:tint val="94000"/>
+              </a:schemeClr>
+            </a:gs>
+            <a:gs pos="50000">
+              <a:schemeClr val="phClr">
+                <a:satMod val="110000"/>
+                <a:lumMod val="100000"/>
+                <a:shade val="100000"/>
+              </a:schemeClr>
+            </a:gs>
+            <a:gs pos="100000">
+              <a:schemeClr val="phClr">
+                <a:lumMod val="99000"/>
+                <a:satMod val="120000"/>
+                <a:shade val="78000"/>
+              </a:schemeClr>
+            </a:gs>
+          </a:gsLst>
+          <a:lin ang="5400000" scaled="0"/>
+        </a:gradFill>
+      </a:fillStyleLst>
+      <a:lnStyleLst>
+        <a:ln w="6350" cap="flat" cmpd="sng" algn="ctr">
+          <a:solidFill>
+            <a:schemeClr val="phClr"/>
+          </a:solidFill>
+          <a:prstDash val="solid"/>
+          <a:miter lim="800000"/>
+        </a:ln>
+        <a:ln w="12700" cap="flat" cmpd="sng" algn="ctr">
+          <a:solidFill>
+            <a:schemeClr val="phClr"/>
+          </a:solidFill>
+          <a:prstDash val="solid"/>
+          <a:miter lim="800000"/>
+        </a:ln>
+        <a:ln w="19050" cap="flat" cmpd="sng" algn="ctr">
+          <a:solidFill>
+            <a:schemeClr val="phClr"/>
+          </a:solidFill>
+          <a:prstDash val="solid"/>
+          <a:miter lim="800000"/>
+        </a:ln>
+      </a:lnStyleLst>
+      <a:effectStyleLst>
+        <a:effectStyle>
+          <a:effectLst/>
+        </a:effectStyle>
+        <a:effectStyle>
+          <a:effectLst/>
+        </a:effectStyle>
+        <a:effectStyle>
+          <a:effectLst>
+            <a:outerShdw blurRad="57150" dist="19050" dir="5400000" algn="ctr" rotWithShape="0">
+              <a:srgbClr val="000000">
+                <a:alpha val="63000"/>
+              </a:srgbClr>
+            </a:outerShdw>
+          </a:effectLst>
+        </a:effectStyle>
+      </a:effectStyleLst>
+      <a:bgFillStyleLst>
+        <a:solidFill>
+          <a:schemeClr val="phClr"/>
+        </a:solidFill>
+        <a:solidFill>
+          <a:schemeClr val="phClr">
+            <a:tint val="95000"/>
+            <a:satMod val="170000"/>
+          </a:schemeClr>
+        </a:solidFill>
+        <a:gradFill rotWithShape="1">
+          <a:gsLst>
+            <a:gs pos="0">
+              <a:schemeClr val="phClr">
+                <a:tint val="93000"/>
+                <a:satMod val="150000"/>
+                <a:shade val="98000"/>
+                <a:lumMod val="102000"/>
+              </a:schemeClr>
+            </a:gs>
+            <a:gs pos="50000">
+              <a:schemeClr val="phClr">
+                <a:tint val="98000"/>
+                <a:satMod val="130000"/>
+                <a:shade val="90000"/>
+                <a:lumMod val="103000"/>
+              </a:schemeClr>
+            </a:gs>
+            <a:gs pos="100000">
+              <a:schemeClr val="phClr">
+                <a:shade val="63000"/>
+                <a:satMod val="120000"/>
+              </a:schemeClr>
+            </a:gs>
+          </a:gsLst>
+          <a:lin ang="5400000" scaled="0"/>
+        </a:gradFill>
+      </a:bgFillStyleLst>
+    </a:fmtScheme>
+  </a:themeElements>
+  <a:objectDefaults/>
+  <a:extraClrSchemeLst/>
+  <a:extLst>
+    <a:ext uri="{05A4C25C-085E-4340-85A3-A5531E510DB2}">
+      <thm15:themeFamily xmlns:thm15="http://schemas.microsoft.com/office/thememl/2012/main" name="Office Theme" id="{62F939B6-93AF-4DB8-9C6B-D6C7DFDC589F}" vid="{4A3C46E8-61CC-4603-A589-7422A47A8E4A}"/>
+    </a:ext>
+  </a:extLst>
+</a:theme>
 </file>